--- a/70-533-01-App-Service-Apps.pptx
+++ b/70-533-01-App-Service-Apps.pptx
@@ -29,40 +29,40 @@
   <p:notesSz cx="6858000" cy="9144000"/>
   <p:embeddedFontLst>
     <p:embeddedFont>
-      <p:font typeface="Consolas" panose="020B0609020204030204" pitchFamily="49" charset="0"/>
+      <p:font typeface="Segoe UI" panose="020B0502040204020203" pitchFamily="34" charset="0"/>
       <p:regular r:id="rId17"/>
       <p:bold r:id="rId18"/>
       <p:italic r:id="rId19"/>
       <p:boldItalic r:id="rId20"/>
     </p:embeddedFont>
     <p:embeddedFont>
-      <p:font typeface="Calibri" panose="020F0502020204030204" pitchFamily="34" charset="0"/>
+      <p:font typeface="Verdana" panose="020B0604030504040204" pitchFamily="34" charset="0"/>
       <p:regular r:id="rId21"/>
       <p:bold r:id="rId22"/>
       <p:italic r:id="rId23"/>
       <p:boldItalic r:id="rId24"/>
     </p:embeddedFont>
     <p:embeddedFont>
-      <p:font typeface="Segoe UI" panose="020B0502040204020203" pitchFamily="34" charset="0"/>
+      <p:font typeface="Segoe UI Light" panose="020B0502040204020203" pitchFamily="34" charset="0"/>
       <p:regular r:id="rId25"/>
-      <p:bold r:id="rId26"/>
-      <p:italic r:id="rId27"/>
-      <p:boldItalic r:id="rId28"/>
+      <p:italic r:id="rId26"/>
     </p:embeddedFont>
     <p:embeddedFont>
-      <p:font typeface="Verdana" panose="020B0604030504040204" pitchFamily="34" charset="0"/>
-      <p:regular r:id="rId29"/>
-      <p:bold r:id="rId30"/>
-      <p:italic r:id="rId31"/>
-      <p:boldItalic r:id="rId32"/>
-    </p:embeddedFont>
-    <p:embeddedFont>
-      <p:font typeface="Segoe UI Light" panose="020B0502040204020203" pitchFamily="34" charset="0"/>
-      <p:regular r:id="rId33"/>
-      <p:italic r:id="rId34"/>
+      <p:font typeface="Consolas" panose="020B0609020204030204" pitchFamily="49" charset="0"/>
+      <p:regular r:id="rId27"/>
+      <p:bold r:id="rId28"/>
+      <p:italic r:id="rId29"/>
+      <p:boldItalic r:id="rId30"/>
     </p:embeddedFont>
     <p:embeddedFont>
       <p:font typeface="Segoe" panose="020B0604020202020204" charset="0"/>
+      <p:regular r:id="rId31"/>
+      <p:bold r:id="rId32"/>
+      <p:italic r:id="rId33"/>
+      <p:boldItalic r:id="rId34"/>
+    </p:embeddedFont>
+    <p:embeddedFont>
+      <p:font typeface="Calibri" panose="020F0502020204030204" pitchFamily="34" charset="0"/>
       <p:regular r:id="rId35"/>
       <p:bold r:id="rId36"/>
       <p:italic r:id="rId37"/>
@@ -340,7 +340,7 @@
           <a:p>
             <a:fld id="{7D784404-57E5-4341-9230-5EC072B8C3C5}" type="datetimeFigureOut">
               <a:rPr lang="en-US" smtClean="0"/>
-              <a:t>1/19/2018</a:t>
+              <a:t>1/23/2018</a:t>
             </a:fld>
             <a:endParaRPr lang="en-US"/>
           </a:p>
@@ -517,7 +517,7 @@
           <a:p>
             <a:fld id="{9933EFA3-31EF-403B-8080-9776000D59FF}" type="datetimeFigureOut">
               <a:rPr lang="en-US" smtClean="0"/>
-              <a:t>1/19/2018</a:t>
+              <a:t>1/23/2018</a:t>
             </a:fld>
             <a:endParaRPr lang="en-US" dirty="0"/>
           </a:p>
@@ -9573,7 +9573,11 @@
           <a:lstStyle/>
           <a:p>
             <a:r>
-              <a:rPr lang="en-US" sz="1600" dirty="0"/>
+              <a:rPr lang="en-US" sz="1600" dirty="0">
+                <a:solidFill>
+                  <a:srgbClr val="FFC000"/>
+                </a:solidFill>
+              </a:rPr>
               <a:t>Design and Implement Azure App Service Apps (10-15%) </a:t>
             </a:r>
           </a:p>

--- a/70-533-01-App-Service-Apps.pptx
+++ b/70-533-01-App-Service-Apps.pptx
@@ -5,10 +5,10 @@
     <p:sldMasterId id="2147483660" r:id="rId1"/>
   </p:sldMasterIdLst>
   <p:notesMasterIdLst>
-    <p:notesMasterId r:id="rId15"/>
+    <p:notesMasterId r:id="rId12"/>
   </p:notesMasterIdLst>
   <p:handoutMasterIdLst>
-    <p:handoutMasterId r:id="rId16"/>
+    <p:handoutMasterId r:id="rId13"/>
   </p:handoutMasterIdLst>
   <p:sldIdLst>
     <p:sldId id="256" r:id="rId2"/>
@@ -21,52 +21,49 @@
     <p:sldId id="309" r:id="rId9"/>
     <p:sldId id="310" r:id="rId10"/>
     <p:sldId id="319" r:id="rId11"/>
-    <p:sldId id="320" r:id="rId12"/>
-    <p:sldId id="321" r:id="rId13"/>
-    <p:sldId id="322" r:id="rId14"/>
   </p:sldIdLst>
   <p:sldSz cx="9144000" cy="6858000" type="screen4x3"/>
   <p:notesSz cx="6858000" cy="9144000"/>
   <p:embeddedFontLst>
     <p:embeddedFont>
       <p:font typeface="Segoe UI" panose="020B0502040204020203" pitchFamily="34" charset="0"/>
-      <p:regular r:id="rId17"/>
-      <p:bold r:id="rId18"/>
-      <p:italic r:id="rId19"/>
-      <p:boldItalic r:id="rId20"/>
+      <p:regular r:id="rId14"/>
+      <p:bold r:id="rId15"/>
+      <p:italic r:id="rId16"/>
+      <p:boldItalic r:id="rId17"/>
     </p:embeddedFont>
     <p:embeddedFont>
       <p:font typeface="Verdana" panose="020B0604030504040204" pitchFamily="34" charset="0"/>
-      <p:regular r:id="rId21"/>
-      <p:bold r:id="rId22"/>
-      <p:italic r:id="rId23"/>
-      <p:boldItalic r:id="rId24"/>
+      <p:regular r:id="rId18"/>
+      <p:bold r:id="rId19"/>
+      <p:italic r:id="rId20"/>
+      <p:boldItalic r:id="rId21"/>
     </p:embeddedFont>
     <p:embeddedFont>
       <p:font typeface="Segoe UI Light" panose="020B0502040204020203" pitchFamily="34" charset="0"/>
-      <p:regular r:id="rId25"/>
-      <p:italic r:id="rId26"/>
+      <p:regular r:id="rId22"/>
+      <p:italic r:id="rId23"/>
     </p:embeddedFont>
     <p:embeddedFont>
       <p:font typeface="Consolas" panose="020B0609020204030204" pitchFamily="49" charset="0"/>
-      <p:regular r:id="rId27"/>
-      <p:bold r:id="rId28"/>
-      <p:italic r:id="rId29"/>
-      <p:boldItalic r:id="rId30"/>
+      <p:regular r:id="rId24"/>
+      <p:bold r:id="rId25"/>
+      <p:italic r:id="rId26"/>
+      <p:boldItalic r:id="rId27"/>
+    </p:embeddedFont>
+    <p:embeddedFont>
+      <p:font typeface="Calibri" panose="020F0502020204030204" pitchFamily="34" charset="0"/>
+      <p:regular r:id="rId28"/>
+      <p:bold r:id="rId29"/>
+      <p:italic r:id="rId30"/>
+      <p:boldItalic r:id="rId31"/>
     </p:embeddedFont>
     <p:embeddedFont>
       <p:font typeface="Segoe" panose="020B0604020202020204" charset="0"/>
-      <p:regular r:id="rId31"/>
-      <p:bold r:id="rId32"/>
-      <p:italic r:id="rId33"/>
-      <p:boldItalic r:id="rId34"/>
-    </p:embeddedFont>
-    <p:embeddedFont>
-      <p:font typeface="Calibri" panose="020F0502020204030204" pitchFamily="34" charset="0"/>
-      <p:regular r:id="rId35"/>
-      <p:bold r:id="rId36"/>
-      <p:italic r:id="rId37"/>
-      <p:boldItalic r:id="rId38"/>
+      <p:regular r:id="rId32"/>
+      <p:bold r:id="rId33"/>
+      <p:italic r:id="rId34"/>
+      <p:boldItalic r:id="rId35"/>
     </p:embeddedFont>
   </p:embeddedFontLst>
   <p:defaultTextStyle>
@@ -229,9 +226,6 @@
             <p14:sldId id="309"/>
             <p14:sldId id="310"/>
             <p14:sldId id="319"/>
-            <p14:sldId id="320"/>
-            <p14:sldId id="321"/>
-            <p14:sldId id="322"/>
           </p14:sldIdLst>
         </p14:section>
       </p14:sectionLst>
@@ -340,7 +334,7 @@
           <a:p>
             <a:fld id="{7D784404-57E5-4341-9230-5EC072B8C3C5}" type="datetimeFigureOut">
               <a:rPr lang="en-US" smtClean="0"/>
-              <a:t>1/23/2018</a:t>
+              <a:t>1/24/2018</a:t>
             </a:fld>
             <a:endParaRPr lang="en-US"/>
           </a:p>
@@ -517,7 +511,7 @@
           <a:p>
             <a:fld id="{9933EFA3-31EF-403B-8080-9776000D59FF}" type="datetimeFigureOut">
               <a:rPr lang="en-US" smtClean="0"/>
-              <a:t>1/23/2018</a:t>
+              <a:t>1/24/2018</a:t>
             </a:fld>
             <a:endParaRPr lang="en-US" dirty="0"/>
           </a:p>
@@ -1609,273 +1603,6 @@
 </p:notes>
 </file>
 
-<file path=ppt/notesSlides/notesSlide11.xml><?xml version="1.0" encoding="utf-8"?>
-<p:notes xmlns:a="http://schemas.openxmlformats.org/drawingml/2006/main" xmlns:r="http://schemas.openxmlformats.org/officeDocument/2006/relationships" xmlns:p="http://schemas.openxmlformats.org/presentationml/2006/main">
-  <p:cSld>
-    <p:spTree>
-      <p:nvGrpSpPr>
-        <p:cNvPr id="1" name=""/>
-        <p:cNvGrpSpPr/>
-        <p:nvPr/>
-      </p:nvGrpSpPr>
-      <p:grpSpPr>
-        <a:xfrm>
-          <a:off x="0" y="0"/>
-          <a:ext cx="0" cy="0"/>
-          <a:chOff x="0" y="0"/>
-          <a:chExt cx="0" cy="0"/>
-        </a:xfrm>
-      </p:grpSpPr>
-      <p:sp>
-        <p:nvSpPr>
-          <p:cNvPr id="2" name="Slide Image Placeholder 1"/>
-          <p:cNvSpPr>
-            <a:spLocks noGrp="1" noRot="1" noChangeAspect="1"/>
-          </p:cNvSpPr>
-          <p:nvPr>
-            <p:ph type="sldImg"/>
-          </p:nvPr>
-        </p:nvSpPr>
-        <p:spPr>
-          <a:xfrm>
-            <a:off x="4325938" y="73025"/>
-            <a:ext cx="2466975" cy="1851025"/>
-          </a:xfrm>
-        </p:spPr>
-      </p:sp>
-      <p:sp>
-        <p:nvSpPr>
-          <p:cNvPr id="3" name="Notes Placeholder 2"/>
-          <p:cNvSpPr>
-            <a:spLocks noGrp="1"/>
-          </p:cNvSpPr>
-          <p:nvPr>
-            <p:ph type="body" idx="1"/>
-          </p:nvPr>
-        </p:nvSpPr>
-        <p:spPr/>
-        <p:txBody>
-          <a:bodyPr/>
-          <a:lstStyle/>
-          <a:p>
-            <a:endParaRPr lang="en-US"/>
-          </a:p>
-        </p:txBody>
-      </p:sp>
-      <p:sp>
-        <p:nvSpPr>
-          <p:cNvPr id="4" name="Slide Number Placeholder 3"/>
-          <p:cNvSpPr>
-            <a:spLocks noGrp="1"/>
-          </p:cNvSpPr>
-          <p:nvPr>
-            <p:ph type="sldNum" sz="quarter" idx="10"/>
-          </p:nvPr>
-        </p:nvSpPr>
-        <p:spPr/>
-        <p:txBody>
-          <a:bodyPr/>
-          <a:lstStyle/>
-          <a:p>
-            <a:fld id="{F19E9337-0361-41F3-9C17-1F4FFD1214BA}" type="slidenum">
-              <a:rPr lang="en-US" smtClean="0"/>
-              <a:t>11</a:t>
-            </a:fld>
-            <a:endParaRPr lang="en-US" dirty="0"/>
-          </a:p>
-        </p:txBody>
-      </p:sp>
-    </p:spTree>
-    <p:extLst>
-      <p:ext uri="{BB962C8B-B14F-4D97-AF65-F5344CB8AC3E}">
-        <p14:creationId xmlns:p14="http://schemas.microsoft.com/office/powerpoint/2010/main" val="1310088746"/>
-      </p:ext>
-    </p:extLst>
-  </p:cSld>
-  <p:clrMapOvr>
-    <a:masterClrMapping/>
-  </p:clrMapOvr>
-</p:notes>
-</file>
-
-<file path=ppt/notesSlides/notesSlide12.xml><?xml version="1.0" encoding="utf-8"?>
-<p:notes xmlns:a="http://schemas.openxmlformats.org/drawingml/2006/main" xmlns:r="http://schemas.openxmlformats.org/officeDocument/2006/relationships" xmlns:p="http://schemas.openxmlformats.org/presentationml/2006/main">
-  <p:cSld>
-    <p:spTree>
-      <p:nvGrpSpPr>
-        <p:cNvPr id="1" name=""/>
-        <p:cNvGrpSpPr/>
-        <p:nvPr/>
-      </p:nvGrpSpPr>
-      <p:grpSpPr>
-        <a:xfrm>
-          <a:off x="0" y="0"/>
-          <a:ext cx="0" cy="0"/>
-          <a:chOff x="0" y="0"/>
-          <a:chExt cx="0" cy="0"/>
-        </a:xfrm>
-      </p:grpSpPr>
-      <p:sp>
-        <p:nvSpPr>
-          <p:cNvPr id="2" name="Slide Image Placeholder 1"/>
-          <p:cNvSpPr>
-            <a:spLocks noGrp="1" noRot="1" noChangeAspect="1"/>
-          </p:cNvSpPr>
-          <p:nvPr>
-            <p:ph type="sldImg"/>
-          </p:nvPr>
-        </p:nvSpPr>
-        <p:spPr>
-          <a:xfrm>
-            <a:off x="4325938" y="73025"/>
-            <a:ext cx="2466975" cy="1851025"/>
-          </a:xfrm>
-        </p:spPr>
-      </p:sp>
-      <p:sp>
-        <p:nvSpPr>
-          <p:cNvPr id="3" name="Notes Placeholder 2"/>
-          <p:cNvSpPr>
-            <a:spLocks noGrp="1"/>
-          </p:cNvSpPr>
-          <p:nvPr>
-            <p:ph type="body" idx="1"/>
-          </p:nvPr>
-        </p:nvSpPr>
-        <p:spPr/>
-        <p:txBody>
-          <a:bodyPr/>
-          <a:lstStyle/>
-          <a:p>
-            <a:endParaRPr lang="en-US"/>
-          </a:p>
-        </p:txBody>
-      </p:sp>
-      <p:sp>
-        <p:nvSpPr>
-          <p:cNvPr id="4" name="Slide Number Placeholder 3"/>
-          <p:cNvSpPr>
-            <a:spLocks noGrp="1"/>
-          </p:cNvSpPr>
-          <p:nvPr>
-            <p:ph type="sldNum" sz="quarter" idx="10"/>
-          </p:nvPr>
-        </p:nvSpPr>
-        <p:spPr/>
-        <p:txBody>
-          <a:bodyPr/>
-          <a:lstStyle/>
-          <a:p>
-            <a:fld id="{F19E9337-0361-41F3-9C17-1F4FFD1214BA}" type="slidenum">
-              <a:rPr lang="en-US" smtClean="0"/>
-              <a:t>12</a:t>
-            </a:fld>
-            <a:endParaRPr lang="en-US" dirty="0"/>
-          </a:p>
-        </p:txBody>
-      </p:sp>
-    </p:spTree>
-    <p:extLst>
-      <p:ext uri="{BB962C8B-B14F-4D97-AF65-F5344CB8AC3E}">
-        <p14:creationId xmlns:p14="http://schemas.microsoft.com/office/powerpoint/2010/main" val="3832566447"/>
-      </p:ext>
-    </p:extLst>
-  </p:cSld>
-  <p:clrMapOvr>
-    <a:masterClrMapping/>
-  </p:clrMapOvr>
-</p:notes>
-</file>
-
-<file path=ppt/notesSlides/notesSlide13.xml><?xml version="1.0" encoding="utf-8"?>
-<p:notes xmlns:a="http://schemas.openxmlformats.org/drawingml/2006/main" xmlns:r="http://schemas.openxmlformats.org/officeDocument/2006/relationships" xmlns:p="http://schemas.openxmlformats.org/presentationml/2006/main">
-  <p:cSld>
-    <p:spTree>
-      <p:nvGrpSpPr>
-        <p:cNvPr id="1" name=""/>
-        <p:cNvGrpSpPr/>
-        <p:nvPr/>
-      </p:nvGrpSpPr>
-      <p:grpSpPr>
-        <a:xfrm>
-          <a:off x="0" y="0"/>
-          <a:ext cx="0" cy="0"/>
-          <a:chOff x="0" y="0"/>
-          <a:chExt cx="0" cy="0"/>
-        </a:xfrm>
-      </p:grpSpPr>
-      <p:sp>
-        <p:nvSpPr>
-          <p:cNvPr id="2" name="Slide Image Placeholder 1"/>
-          <p:cNvSpPr>
-            <a:spLocks noGrp="1" noRot="1" noChangeAspect="1"/>
-          </p:cNvSpPr>
-          <p:nvPr>
-            <p:ph type="sldImg"/>
-          </p:nvPr>
-        </p:nvSpPr>
-        <p:spPr>
-          <a:xfrm>
-            <a:off x="4325938" y="73025"/>
-            <a:ext cx="2466975" cy="1851025"/>
-          </a:xfrm>
-        </p:spPr>
-      </p:sp>
-      <p:sp>
-        <p:nvSpPr>
-          <p:cNvPr id="3" name="Notes Placeholder 2"/>
-          <p:cNvSpPr>
-            <a:spLocks noGrp="1"/>
-          </p:cNvSpPr>
-          <p:nvPr>
-            <p:ph type="body" idx="1"/>
-          </p:nvPr>
-        </p:nvSpPr>
-        <p:spPr/>
-        <p:txBody>
-          <a:bodyPr/>
-          <a:lstStyle/>
-          <a:p>
-            <a:endParaRPr lang="en-US"/>
-          </a:p>
-        </p:txBody>
-      </p:sp>
-      <p:sp>
-        <p:nvSpPr>
-          <p:cNvPr id="4" name="Slide Number Placeholder 3"/>
-          <p:cNvSpPr>
-            <a:spLocks noGrp="1"/>
-          </p:cNvSpPr>
-          <p:nvPr>
-            <p:ph type="sldNum" sz="quarter" idx="10"/>
-          </p:nvPr>
-        </p:nvSpPr>
-        <p:spPr/>
-        <p:txBody>
-          <a:bodyPr/>
-          <a:lstStyle/>
-          <a:p>
-            <a:fld id="{F19E9337-0361-41F3-9C17-1F4FFD1214BA}" type="slidenum">
-              <a:rPr lang="en-US" smtClean="0"/>
-              <a:t>13</a:t>
-            </a:fld>
-            <a:endParaRPr lang="en-US" dirty="0"/>
-          </a:p>
-        </p:txBody>
-      </p:sp>
-    </p:spTree>
-    <p:extLst>
-      <p:ext uri="{BB962C8B-B14F-4D97-AF65-F5344CB8AC3E}">
-        <p14:creationId xmlns:p14="http://schemas.microsoft.com/office/powerpoint/2010/main" val="115193160"/>
-      </p:ext>
-    </p:extLst>
-  </p:cSld>
-  <p:clrMapOvr>
-    <a:masterClrMapping/>
-  </p:clrMapOvr>
-</p:notes>
-</file>
-
 <file path=ppt/notesSlides/notesSlide2.xml><?xml version="1.0" encoding="utf-8"?>
 <p:notes xmlns:a="http://schemas.openxmlformats.org/drawingml/2006/main" xmlns:r="http://schemas.openxmlformats.org/officeDocument/2006/relationships" xmlns:p="http://schemas.openxmlformats.org/presentationml/2006/main">
   <p:cSld>
@@ -3051,6 +2778,161 @@
 </file>
 
 <file path=ppt/slideLayouts/slideLayout10.xml><?xml version="1.0" encoding="utf-8"?>
+<p:sldLayout xmlns:a="http://schemas.openxmlformats.org/drawingml/2006/main" xmlns:r="http://schemas.openxmlformats.org/officeDocument/2006/relationships" xmlns:p="http://schemas.openxmlformats.org/presentationml/2006/main" preserve="1" userDrawn="1">
+  <p:cSld name="Custom Layout">
+    <p:spTree>
+      <p:nvGrpSpPr>
+        <p:cNvPr id="1" name=""/>
+        <p:cNvGrpSpPr/>
+        <p:nvPr/>
+      </p:nvGrpSpPr>
+      <p:grpSpPr>
+        <a:xfrm>
+          <a:off x="0" y="0"/>
+          <a:ext cx="0" cy="0"/>
+          <a:chOff x="0" y="0"/>
+          <a:chExt cx="0" cy="0"/>
+        </a:xfrm>
+      </p:grpSpPr>
+      <p:sp>
+        <p:nvSpPr>
+          <p:cNvPr id="2" name="Title 1">
+            <a:extLst>
+              <a:ext uri="{FF2B5EF4-FFF2-40B4-BE49-F238E27FC236}">
+                <a16:creationId xmlns:a16="http://schemas.microsoft.com/office/drawing/2014/main" id="{F523216E-3091-410D-83D4-F3B694551529}"/>
+              </a:ext>
+            </a:extLst>
+          </p:cNvPr>
+          <p:cNvSpPr>
+            <a:spLocks noGrp="1"/>
+          </p:cNvSpPr>
+          <p:nvPr>
+            <p:ph type="title" hasCustomPrompt="1"/>
+          </p:nvPr>
+        </p:nvSpPr>
+        <p:spPr/>
+        <p:txBody>
+          <a:bodyPr/>
+          <a:lstStyle>
+            <a:lvl1pPr>
+              <a:defRPr/>
+            </a:lvl1pPr>
+          </a:lstStyle>
+          <a:p>
+            <a:r>
+              <a:rPr lang="en-US" dirty="0"/>
+              <a:t>Click to edit Code Title</a:t>
+            </a:r>
+          </a:p>
+        </p:txBody>
+      </p:sp>
+      <p:sp>
+        <p:nvSpPr>
+          <p:cNvPr id="4" name="Text Placeholder 3">
+            <a:extLst>
+              <a:ext uri="{FF2B5EF4-FFF2-40B4-BE49-F238E27FC236}">
+                <a16:creationId xmlns:a16="http://schemas.microsoft.com/office/drawing/2014/main" id="{8AA8E3D7-116C-400A-AC64-F86759F16B62}"/>
+              </a:ext>
+            </a:extLst>
+          </p:cNvPr>
+          <p:cNvSpPr>
+            <a:spLocks noGrp="1"/>
+          </p:cNvSpPr>
+          <p:nvPr>
+            <p:ph type="body" sz="quarter" idx="10" hasCustomPrompt="1"/>
+          </p:nvPr>
+        </p:nvSpPr>
+        <p:spPr>
+          <a:xfrm>
+            <a:off x="93306" y="811763"/>
+            <a:ext cx="8929396" cy="5859625"/>
+          </a:xfrm>
+        </p:spPr>
+        <p:txBody>
+          <a:bodyPr/>
+          <a:lstStyle>
+            <a:lvl1pPr marL="0" indent="0">
+              <a:buNone/>
+              <a:defRPr sz="2400">
+                <a:latin typeface="Consolas" panose="020B0609020204030204" pitchFamily="49" charset="0"/>
+              </a:defRPr>
+            </a:lvl1pPr>
+            <a:lvl2pPr marL="288925" indent="0">
+              <a:buNone/>
+              <a:defRPr sz="2000">
+                <a:latin typeface="Consolas" panose="020B0609020204030204" pitchFamily="49" charset="0"/>
+              </a:defRPr>
+            </a:lvl2pPr>
+            <a:lvl3pPr marL="681037" indent="0">
+              <a:buNone/>
+              <a:defRPr sz="1800">
+                <a:latin typeface="Consolas" panose="020B0609020204030204" pitchFamily="49" charset="0"/>
+              </a:defRPr>
+            </a:lvl3pPr>
+            <a:lvl4pPr marL="1089025" indent="0">
+              <a:buNone/>
+              <a:defRPr sz="1600">
+                <a:latin typeface="Consolas" panose="020B0609020204030204" pitchFamily="49" charset="0"/>
+              </a:defRPr>
+            </a:lvl4pPr>
+            <a:lvl5pPr marL="1376363" indent="0">
+              <a:buNone/>
+              <a:defRPr sz="1600">
+                <a:latin typeface="Consolas" panose="020B0609020204030204" pitchFamily="49" charset="0"/>
+              </a:defRPr>
+            </a:lvl5pPr>
+          </a:lstStyle>
+          <a:p>
+            <a:pPr lvl="0"/>
+            <a:r>
+              <a:rPr lang="en-US" dirty="0"/>
+              <a:t>Edit Code</a:t>
+            </a:r>
+          </a:p>
+          <a:p>
+            <a:pPr lvl="1"/>
+            <a:r>
+              <a:rPr lang="en-US" dirty="0"/>
+              <a:t>Second level</a:t>
+            </a:r>
+          </a:p>
+          <a:p>
+            <a:pPr lvl="2"/>
+            <a:r>
+              <a:rPr lang="en-US" dirty="0"/>
+              <a:t>Third level</a:t>
+            </a:r>
+          </a:p>
+          <a:p>
+            <a:pPr lvl="3"/>
+            <a:r>
+              <a:rPr lang="en-US" dirty="0"/>
+              <a:t>Fourth level</a:t>
+            </a:r>
+          </a:p>
+          <a:p>
+            <a:pPr lvl="4"/>
+            <a:r>
+              <a:rPr lang="en-US" dirty="0"/>
+              <a:t>Fifth level</a:t>
+            </a:r>
+          </a:p>
+        </p:txBody>
+      </p:sp>
+    </p:spTree>
+    <p:extLst>
+      <p:ext uri="{BB962C8B-B14F-4D97-AF65-F5344CB8AC3E}">
+        <p14:creationId xmlns:p14="http://schemas.microsoft.com/office/powerpoint/2010/main" val="1117181669"/>
+      </p:ext>
+    </p:extLst>
+  </p:cSld>
+  <p:clrMapOvr>
+    <a:masterClrMapping/>
+  </p:clrMapOvr>
+</p:sldLayout>
+</file>
+
+<file path=ppt/slideLayouts/slideLayout11.xml><?xml version="1.0" encoding="utf-8"?>
 <p:sldLayout xmlns:a="http://schemas.openxmlformats.org/drawingml/2006/main" xmlns:r="http://schemas.openxmlformats.org/officeDocument/2006/relationships" xmlns:p="http://schemas.openxmlformats.org/presentationml/2006/main" preserve="1" userDrawn="1">
   <p:cSld name="Black Notes slide Layout">
     <p:bg bwMode="black">
@@ -3379,7 +3261,7 @@
 </p:sldLayout>
 </file>
 
-<file path=ppt/slideLayouts/slideLayout11.xml><?xml version="1.0" encoding="utf-8"?>
+<file path=ppt/slideLayouts/slideLayout12.xml><?xml version="1.0" encoding="utf-8"?>
 <p:sldLayout xmlns:a="http://schemas.openxmlformats.org/drawingml/2006/main" xmlns:r="http://schemas.openxmlformats.org/officeDocument/2006/relationships" xmlns:p="http://schemas.openxmlformats.org/presentationml/2006/main" preserve="1" userDrawn="1">
   <p:cSld name="Steps">
     <p:spTree>
@@ -4828,7 +4710,7 @@
 </p:sldLayout>
 </file>
 
-<file path=ppt/slideLayouts/slideLayout12.xml><?xml version="1.0" encoding="utf-8"?>
+<file path=ppt/slideLayouts/slideLayout13.xml><?xml version="1.0" encoding="utf-8"?>
 <p:sldLayout xmlns:a="http://schemas.openxmlformats.org/drawingml/2006/main" xmlns:r="http://schemas.openxmlformats.org/officeDocument/2006/relationships" xmlns:p="http://schemas.openxmlformats.org/presentationml/2006/main" preserve="1" userDrawn="1">
   <p:cSld name="Section Header">
     <p:spTree>
@@ -5014,7 +4896,7 @@
 </p:sldLayout>
 </file>
 
-<file path=ppt/slideLayouts/slideLayout13.xml><?xml version="1.0" encoding="utf-8"?>
+<file path=ppt/slideLayouts/slideLayout14.xml><?xml version="1.0" encoding="utf-8"?>
 <p:sldLayout xmlns:a="http://schemas.openxmlformats.org/drawingml/2006/main" xmlns:r="http://schemas.openxmlformats.org/officeDocument/2006/relationships" xmlns:p="http://schemas.openxmlformats.org/presentationml/2006/main" preserve="1" userDrawn="1">
   <p:cSld name="Two Content">
     <p:spTree>
@@ -5297,7 +5179,7 @@
 </p:sldLayout>
 </file>
 
-<file path=ppt/slideLayouts/slideLayout14.xml><?xml version="1.0" encoding="utf-8"?>
+<file path=ppt/slideLayouts/slideLayout15.xml><?xml version="1.0" encoding="utf-8"?>
 <p:sldLayout xmlns:a="http://schemas.openxmlformats.org/drawingml/2006/main" xmlns:r="http://schemas.openxmlformats.org/officeDocument/2006/relationships" xmlns:p="http://schemas.openxmlformats.org/presentationml/2006/main" preserve="1" userDrawn="1">
   <p:cSld name="Comparison">
     <p:spTree>
@@ -5726,7 +5608,7 @@
 </p:sldLayout>
 </file>
 
-<file path=ppt/slideLayouts/slideLayout15.xml><?xml version="1.0" encoding="utf-8"?>
+<file path=ppt/slideLayouts/slideLayout16.xml><?xml version="1.0" encoding="utf-8"?>
 <p:sldLayout xmlns:a="http://schemas.openxmlformats.org/drawingml/2006/main" xmlns:r="http://schemas.openxmlformats.org/officeDocument/2006/relationships" xmlns:p="http://schemas.openxmlformats.org/presentationml/2006/main" preserve="1" userDrawn="1">
   <p:cSld name="Blank">
     <p:spTree>
@@ -5816,7 +5698,7 @@
 </p:sldLayout>
 </file>
 
-<file path=ppt/slideLayouts/slideLayout16.xml><?xml version="1.0" encoding="utf-8"?>
+<file path=ppt/slideLayouts/slideLayout17.xml><?xml version="1.0" encoding="utf-8"?>
 <p:sldLayout xmlns:a="http://schemas.openxmlformats.org/drawingml/2006/main" xmlns:r="http://schemas.openxmlformats.org/officeDocument/2006/relationships" xmlns:p="http://schemas.openxmlformats.org/presentationml/2006/main" preserve="1" userDrawn="1">
   <p:cSld name="Content with Caption">
     <p:spTree>
@@ -6092,7 +5974,7 @@
 </p:sldLayout>
 </file>
 
-<file path=ppt/slideLayouts/slideLayout17.xml><?xml version="1.0" encoding="utf-8"?>
+<file path=ppt/slideLayouts/slideLayout18.xml><?xml version="1.0" encoding="utf-8"?>
 <p:sldLayout xmlns:a="http://schemas.openxmlformats.org/drawingml/2006/main" xmlns:r="http://schemas.openxmlformats.org/officeDocument/2006/relationships" xmlns:p="http://schemas.openxmlformats.org/presentationml/2006/main" preserve="1" userDrawn="1">
   <p:cSld name="Picture with Caption">
     <p:spTree>
@@ -6343,7 +6225,7 @@
 </p:sldLayout>
 </file>
 
-<file path=ppt/slideLayouts/slideLayout18.xml><?xml version="1.0" encoding="utf-8"?>
+<file path=ppt/slideLayouts/slideLayout19.xml><?xml version="1.0" encoding="utf-8"?>
 <p:sldLayout xmlns:a="http://schemas.openxmlformats.org/drawingml/2006/main" xmlns:r="http://schemas.openxmlformats.org/officeDocument/2006/relationships" xmlns:p="http://schemas.openxmlformats.org/presentationml/2006/main" type="vertTx" preserve="1">
   <p:cSld name="Title and Vertical Text">
     <p:spTree>
@@ -6438,121 +6320,6 @@
     <p:extLst>
       <p:ext uri="{BB962C8B-B14F-4D97-AF65-F5344CB8AC3E}">
         <p14:creationId xmlns:p14="http://schemas.microsoft.com/office/powerpoint/2010/main" val="571518607"/>
-      </p:ext>
-    </p:extLst>
-  </p:cSld>
-  <p:clrMapOvr>
-    <a:masterClrMapping/>
-  </p:clrMapOvr>
-</p:sldLayout>
-</file>
-
-<file path=ppt/slideLayouts/slideLayout19.xml><?xml version="1.0" encoding="utf-8"?>
-<p:sldLayout xmlns:a="http://schemas.openxmlformats.org/drawingml/2006/main" xmlns:r="http://schemas.openxmlformats.org/officeDocument/2006/relationships" xmlns:p="http://schemas.openxmlformats.org/presentationml/2006/main" type="vertTitleAndTx" preserve="1">
-  <p:cSld name="Vertical Title and Text">
-    <p:spTree>
-      <p:nvGrpSpPr>
-        <p:cNvPr id="1" name=""/>
-        <p:cNvGrpSpPr/>
-        <p:nvPr/>
-      </p:nvGrpSpPr>
-      <p:grpSpPr>
-        <a:xfrm>
-          <a:off x="0" y="0"/>
-          <a:ext cx="0" cy="0"/>
-          <a:chOff x="0" y="0"/>
-          <a:chExt cx="0" cy="0"/>
-        </a:xfrm>
-      </p:grpSpPr>
-      <p:sp>
-        <p:nvSpPr>
-          <p:cNvPr id="2" name="Vertical Title 1"/>
-          <p:cNvSpPr>
-            <a:spLocks noGrp="1"/>
-          </p:cNvSpPr>
-          <p:nvPr>
-            <p:ph type="title" orient="vert"/>
-          </p:nvPr>
-        </p:nvSpPr>
-        <p:spPr>
-          <a:xfrm>
-            <a:off x="6291263" y="0"/>
-            <a:ext cx="1943100" cy="5378450"/>
-          </a:xfrm>
-        </p:spPr>
-        <p:txBody>
-          <a:bodyPr vert="eaVert"/>
-          <a:lstStyle/>
-          <a:p>
-            <a:r>
-              <a:rPr lang="en-US"/>
-              <a:t>Click to edit Master title style</a:t>
-            </a:r>
-            <a:endParaRPr lang="en-US" dirty="0"/>
-          </a:p>
-        </p:txBody>
-      </p:sp>
-      <p:sp>
-        <p:nvSpPr>
-          <p:cNvPr id="3" name="Vertical Text Placeholder 2"/>
-          <p:cNvSpPr>
-            <a:spLocks noGrp="1"/>
-          </p:cNvSpPr>
-          <p:nvPr>
-            <p:ph type="body" orient="vert" idx="1"/>
-          </p:nvPr>
-        </p:nvSpPr>
-        <p:spPr>
-          <a:xfrm>
-            <a:off x="458788" y="0"/>
-            <a:ext cx="5680075" cy="5378450"/>
-          </a:xfrm>
-        </p:spPr>
-        <p:txBody>
-          <a:bodyPr vert="eaVert"/>
-          <a:lstStyle/>
-          <a:p>
-            <a:pPr lvl="0"/>
-            <a:r>
-              <a:rPr lang="en-US"/>
-              <a:t>Edit Master text styles</a:t>
-            </a:r>
-          </a:p>
-          <a:p>
-            <a:pPr lvl="1"/>
-            <a:r>
-              <a:rPr lang="en-US"/>
-              <a:t>Second level</a:t>
-            </a:r>
-          </a:p>
-          <a:p>
-            <a:pPr lvl="2"/>
-            <a:r>
-              <a:rPr lang="en-US"/>
-              <a:t>Third level</a:t>
-            </a:r>
-          </a:p>
-          <a:p>
-            <a:pPr lvl="3"/>
-            <a:r>
-              <a:rPr lang="en-US"/>
-              <a:t>Fourth level</a:t>
-            </a:r>
-          </a:p>
-          <a:p>
-            <a:pPr lvl="4"/>
-            <a:r>
-              <a:rPr lang="en-US"/>
-              <a:t>Fifth level</a:t>
-            </a:r>
-            <a:endParaRPr lang="en-US" dirty="0"/>
-          </a:p>
-        </p:txBody>
-      </p:sp>
-    </p:spTree>
-    <p:extLst>
-      <p:ext uri="{BB962C8B-B14F-4D97-AF65-F5344CB8AC3E}">
-        <p14:creationId xmlns:p14="http://schemas.microsoft.com/office/powerpoint/2010/main" val="816485789"/>
       </p:ext>
     </p:extLst>
   </p:cSld>
@@ -6726,6 +6493,121 @@
 </file>
 
 <file path=ppt/slideLayouts/slideLayout20.xml><?xml version="1.0" encoding="utf-8"?>
+<p:sldLayout xmlns:a="http://schemas.openxmlformats.org/drawingml/2006/main" xmlns:r="http://schemas.openxmlformats.org/officeDocument/2006/relationships" xmlns:p="http://schemas.openxmlformats.org/presentationml/2006/main" type="vertTitleAndTx" preserve="1">
+  <p:cSld name="Vertical Title and Text">
+    <p:spTree>
+      <p:nvGrpSpPr>
+        <p:cNvPr id="1" name=""/>
+        <p:cNvGrpSpPr/>
+        <p:nvPr/>
+      </p:nvGrpSpPr>
+      <p:grpSpPr>
+        <a:xfrm>
+          <a:off x="0" y="0"/>
+          <a:ext cx="0" cy="0"/>
+          <a:chOff x="0" y="0"/>
+          <a:chExt cx="0" cy="0"/>
+        </a:xfrm>
+      </p:grpSpPr>
+      <p:sp>
+        <p:nvSpPr>
+          <p:cNvPr id="2" name="Vertical Title 1"/>
+          <p:cNvSpPr>
+            <a:spLocks noGrp="1"/>
+          </p:cNvSpPr>
+          <p:nvPr>
+            <p:ph type="title" orient="vert"/>
+          </p:nvPr>
+        </p:nvSpPr>
+        <p:spPr>
+          <a:xfrm>
+            <a:off x="6291263" y="0"/>
+            <a:ext cx="1943100" cy="5378450"/>
+          </a:xfrm>
+        </p:spPr>
+        <p:txBody>
+          <a:bodyPr vert="eaVert"/>
+          <a:lstStyle/>
+          <a:p>
+            <a:r>
+              <a:rPr lang="en-US"/>
+              <a:t>Click to edit Master title style</a:t>
+            </a:r>
+            <a:endParaRPr lang="en-US" dirty="0"/>
+          </a:p>
+        </p:txBody>
+      </p:sp>
+      <p:sp>
+        <p:nvSpPr>
+          <p:cNvPr id="3" name="Vertical Text Placeholder 2"/>
+          <p:cNvSpPr>
+            <a:spLocks noGrp="1"/>
+          </p:cNvSpPr>
+          <p:nvPr>
+            <p:ph type="body" orient="vert" idx="1"/>
+          </p:nvPr>
+        </p:nvSpPr>
+        <p:spPr>
+          <a:xfrm>
+            <a:off x="458788" y="0"/>
+            <a:ext cx="5680075" cy="5378450"/>
+          </a:xfrm>
+        </p:spPr>
+        <p:txBody>
+          <a:bodyPr vert="eaVert"/>
+          <a:lstStyle/>
+          <a:p>
+            <a:pPr lvl="0"/>
+            <a:r>
+              <a:rPr lang="en-US"/>
+              <a:t>Edit Master text styles</a:t>
+            </a:r>
+          </a:p>
+          <a:p>
+            <a:pPr lvl="1"/>
+            <a:r>
+              <a:rPr lang="en-US"/>
+              <a:t>Second level</a:t>
+            </a:r>
+          </a:p>
+          <a:p>
+            <a:pPr lvl="2"/>
+            <a:r>
+              <a:rPr lang="en-US"/>
+              <a:t>Third level</a:t>
+            </a:r>
+          </a:p>
+          <a:p>
+            <a:pPr lvl="3"/>
+            <a:r>
+              <a:rPr lang="en-US"/>
+              <a:t>Fourth level</a:t>
+            </a:r>
+          </a:p>
+          <a:p>
+            <a:pPr lvl="4"/>
+            <a:r>
+              <a:rPr lang="en-US"/>
+              <a:t>Fifth level</a:t>
+            </a:r>
+            <a:endParaRPr lang="en-US" dirty="0"/>
+          </a:p>
+        </p:txBody>
+      </p:sp>
+    </p:spTree>
+    <p:extLst>
+      <p:ext uri="{BB962C8B-B14F-4D97-AF65-F5344CB8AC3E}">
+        <p14:creationId xmlns:p14="http://schemas.microsoft.com/office/powerpoint/2010/main" val="816485789"/>
+      </p:ext>
+    </p:extLst>
+  </p:cSld>
+  <p:clrMapOvr>
+    <a:masterClrMapping/>
+  </p:clrMapOvr>
+</p:sldLayout>
+</file>
+
+<file path=ppt/slideLayouts/slideLayout21.xml><?xml version="1.0" encoding="utf-8"?>
 <p:sldLayout xmlns:a="http://schemas.openxmlformats.org/drawingml/2006/main" xmlns:r="http://schemas.openxmlformats.org/officeDocument/2006/relationships" xmlns:p="http://schemas.openxmlformats.org/presentationml/2006/main" userDrawn="1">
   <p:cSld name="32pt Slide Title ">
     <p:spTree>
@@ -7465,6 +7347,248 @@
 
 <file path=ppt/slideLayouts/slideLayout5.xml><?xml version="1.0" encoding="utf-8"?>
 <p:sldLayout xmlns:a="http://schemas.openxmlformats.org/drawingml/2006/main" xmlns:r="http://schemas.openxmlformats.org/officeDocument/2006/relationships" xmlns:p="http://schemas.openxmlformats.org/presentationml/2006/main" preserve="1" userDrawn="1">
+  <p:cSld name="Case Study Question">
+    <p:spTree>
+      <p:nvGrpSpPr>
+        <p:cNvPr id="1" name=""/>
+        <p:cNvGrpSpPr/>
+        <p:nvPr/>
+      </p:nvGrpSpPr>
+      <p:grpSpPr>
+        <a:xfrm>
+          <a:off x="0" y="0"/>
+          <a:ext cx="0" cy="0"/>
+          <a:chOff x="0" y="0"/>
+          <a:chExt cx="0" cy="0"/>
+        </a:xfrm>
+      </p:grpSpPr>
+      <p:sp>
+        <p:nvSpPr>
+          <p:cNvPr id="3" name="Rectangle 2">
+            <a:extLst>
+              <a:ext uri="{FF2B5EF4-FFF2-40B4-BE49-F238E27FC236}">
+                <a16:creationId xmlns:a16="http://schemas.microsoft.com/office/drawing/2014/main" id="{45B7C354-0C5C-4196-BE29-DBA8ABB17A4F}"/>
+              </a:ext>
+            </a:extLst>
+          </p:cNvPr>
+          <p:cNvSpPr/>
+          <p:nvPr userDrawn="1"/>
+        </p:nvSpPr>
+        <p:spPr>
+          <a:xfrm>
+            <a:off x="0" y="0"/>
+            <a:ext cx="9144000" cy="6172200"/>
+          </a:xfrm>
+          <a:prstGeom prst="rect">
+            <a:avLst/>
+          </a:prstGeom>
+          <a:solidFill>
+            <a:srgbClr val="669900"/>
+          </a:solidFill>
+          <a:ln>
+            <a:noFill/>
+          </a:ln>
+        </p:spPr>
+        <p:style>
+          <a:lnRef idx="2">
+            <a:schemeClr val="accent1">
+              <a:shade val="50000"/>
+            </a:schemeClr>
+          </a:lnRef>
+          <a:fillRef idx="1">
+            <a:schemeClr val="accent1"/>
+          </a:fillRef>
+          <a:effectRef idx="0">
+            <a:schemeClr val="accent1"/>
+          </a:effectRef>
+          <a:fontRef idx="minor">
+            <a:schemeClr val="lt1"/>
+          </a:fontRef>
+        </p:style>
+        <p:txBody>
+          <a:bodyPr rtlCol="0" anchor="ctr"/>
+          <a:lstStyle/>
+          <a:p>
+            <a:pPr algn="ctr"/>
+            <a:endParaRPr lang="en-US" dirty="0"/>
+          </a:p>
+        </p:txBody>
+      </p:sp>
+      <p:sp>
+        <p:nvSpPr>
+          <p:cNvPr id="2" name="Title 1">
+            <a:extLst>
+              <a:ext uri="{FF2B5EF4-FFF2-40B4-BE49-F238E27FC236}">
+                <a16:creationId xmlns:a16="http://schemas.microsoft.com/office/drawing/2014/main" id="{E7744812-071B-4DDA-A498-60D67CDBA951}"/>
+              </a:ext>
+            </a:extLst>
+          </p:cNvPr>
+          <p:cNvSpPr>
+            <a:spLocks noGrp="1"/>
+          </p:cNvSpPr>
+          <p:nvPr>
+            <p:ph type="title" hasCustomPrompt="1"/>
+          </p:nvPr>
+        </p:nvSpPr>
+        <p:spPr/>
+        <p:txBody>
+          <a:bodyPr/>
+          <a:lstStyle>
+            <a:lvl1pPr>
+              <a:defRPr/>
+            </a:lvl1pPr>
+          </a:lstStyle>
+          <a:p>
+            <a:r>
+              <a:rPr lang="en-US" dirty="0"/>
+              <a:t>Click to edit Scenario Case Study Title</a:t>
+            </a:r>
+          </a:p>
+        </p:txBody>
+      </p:sp>
+      <p:sp>
+        <p:nvSpPr>
+          <p:cNvPr id="4" name="Content Placeholder 2">
+            <a:extLst>
+              <a:ext uri="{FF2B5EF4-FFF2-40B4-BE49-F238E27FC236}">
+                <a16:creationId xmlns:a16="http://schemas.microsoft.com/office/drawing/2014/main" id="{428BF76E-A867-413D-99D3-38C859FD2EBE}"/>
+              </a:ext>
+            </a:extLst>
+          </p:cNvPr>
+          <p:cNvSpPr>
+            <a:spLocks noGrp="1"/>
+          </p:cNvSpPr>
+          <p:nvPr>
+            <p:ph idx="1" hasCustomPrompt="1"/>
+          </p:nvPr>
+        </p:nvSpPr>
+        <p:spPr>
+          <a:xfrm>
+            <a:off x="279475" y="868681"/>
+            <a:ext cx="8574837" cy="5212080"/>
+          </a:xfrm>
+        </p:spPr>
+        <p:txBody>
+          <a:bodyPr/>
+          <a:lstStyle>
+            <a:lvl1pPr marL="0" indent="0">
+              <a:buFont typeface="+mj-lt"/>
+              <a:buNone/>
+              <a:defRPr/>
+            </a:lvl1pPr>
+          </a:lstStyle>
+          <a:p>
+            <a:pPr lvl="0"/>
+            <a:r>
+              <a:rPr lang="en-US" dirty="0"/>
+              <a:t>Edit Scenario Case Study Text</a:t>
+            </a:r>
+          </a:p>
+          <a:p>
+            <a:pPr lvl="1"/>
+            <a:r>
+              <a:rPr lang="en-US" dirty="0"/>
+              <a:t>Second level</a:t>
+            </a:r>
+          </a:p>
+          <a:p>
+            <a:pPr lvl="2"/>
+            <a:r>
+              <a:rPr lang="en-US" dirty="0"/>
+              <a:t>Third level</a:t>
+            </a:r>
+          </a:p>
+          <a:p>
+            <a:pPr lvl="3"/>
+            <a:r>
+              <a:rPr lang="en-US" dirty="0"/>
+              <a:t>Fourth level</a:t>
+            </a:r>
+          </a:p>
+          <a:p>
+            <a:pPr lvl="4"/>
+            <a:r>
+              <a:rPr lang="en-US" dirty="0"/>
+              <a:t>Fifth level</a:t>
+            </a:r>
+          </a:p>
+        </p:txBody>
+      </p:sp>
+      <p:sp>
+        <p:nvSpPr>
+          <p:cNvPr id="5" name="Text Placeholder 4">
+            <a:extLst>
+              <a:ext uri="{FF2B5EF4-FFF2-40B4-BE49-F238E27FC236}">
+                <a16:creationId xmlns:a16="http://schemas.microsoft.com/office/drawing/2014/main" id="{4A939B04-3C34-406A-BE95-60EE5E849FD0}"/>
+              </a:ext>
+            </a:extLst>
+          </p:cNvPr>
+          <p:cNvSpPr>
+            <a:spLocks noGrp="1"/>
+          </p:cNvSpPr>
+          <p:nvPr>
+            <p:ph type="body" sz="quarter" idx="10" hasCustomPrompt="1"/>
+          </p:nvPr>
+        </p:nvSpPr>
+        <p:spPr>
+          <a:xfrm>
+            <a:off x="261188" y="6307137"/>
+            <a:ext cx="8574837" cy="410903"/>
+          </a:xfrm>
+        </p:spPr>
+        <p:txBody>
+          <a:bodyPr/>
+          <a:lstStyle>
+            <a:lvl1pPr marL="0" indent="0">
+              <a:buFont typeface="Arial" panose="020B0604020202020204" pitchFamily="34" charset="0"/>
+              <a:buNone/>
+              <a:defRPr sz="1400"/>
+            </a:lvl1pPr>
+            <a:lvl2pPr marL="574675" indent="-285750">
+              <a:buFont typeface="Arial" panose="020B0604020202020204" pitchFamily="34" charset="0"/>
+              <a:buChar char="•"/>
+              <a:defRPr sz="1600"/>
+            </a:lvl2pPr>
+            <a:lvl3pPr marL="966787" indent="-285750">
+              <a:buFont typeface="Arial" panose="020B0604020202020204" pitchFamily="34" charset="0"/>
+              <a:buChar char="•"/>
+              <a:defRPr sz="1400"/>
+            </a:lvl3pPr>
+            <a:lvl4pPr marL="1260475" indent="-171450">
+              <a:buFont typeface="Arial" panose="020B0604020202020204" pitchFamily="34" charset="0"/>
+              <a:buChar char="•"/>
+              <a:defRPr sz="1200"/>
+            </a:lvl4pPr>
+            <a:lvl5pPr marL="1547813" indent="-171450">
+              <a:buFont typeface="Arial" panose="020B0604020202020204" pitchFamily="34" charset="0"/>
+              <a:buChar char="•"/>
+              <a:defRPr sz="1200"/>
+            </a:lvl5pPr>
+          </a:lstStyle>
+          <a:p>
+            <a:pPr lvl="0"/>
+            <a:r>
+              <a:rPr lang="en-US" dirty="0"/>
+              <a:t>Edit URL</a:t>
+            </a:r>
+          </a:p>
+        </p:txBody>
+      </p:sp>
+    </p:spTree>
+    <p:extLst>
+      <p:ext uri="{BB962C8B-B14F-4D97-AF65-F5344CB8AC3E}">
+        <p14:creationId xmlns:p14="http://schemas.microsoft.com/office/powerpoint/2010/main" val="4025255760"/>
+      </p:ext>
+    </p:extLst>
+  </p:cSld>
+  <p:clrMapOvr>
+    <a:masterClrMapping/>
+  </p:clrMapOvr>
+</p:sldLayout>
+</file>
+
+<file path=ppt/slideLayouts/slideLayout6.xml><?xml version="1.0" encoding="utf-8"?>
+<p:sldLayout xmlns:a="http://schemas.openxmlformats.org/drawingml/2006/main" xmlns:r="http://schemas.openxmlformats.org/officeDocument/2006/relationships" xmlns:p="http://schemas.openxmlformats.org/presentationml/2006/main" preserve="1" userDrawn="1">
   <p:cSld name="Question">
     <p:spTree>
       <p:nvGrpSpPr>
@@ -7581,7 +7705,13 @@
         </p:spPr>
         <p:txBody>
           <a:bodyPr/>
-          <a:lstStyle/>
+          <a:lstStyle>
+            <a:lvl1pPr marL="514350" indent="-514350">
+              <a:buFont typeface="+mj-lt"/>
+              <a:buAutoNum type="arabicParenR"/>
+              <a:defRPr/>
+            </a:lvl1pPr>
+          </a:lstStyle>
           <a:p>
             <a:pPr lvl="0"/>
             <a:r>
@@ -7682,7 +7812,7 @@
     </p:spTree>
     <p:extLst>
       <p:ext uri="{BB962C8B-B14F-4D97-AF65-F5344CB8AC3E}">
-        <p14:creationId xmlns:p14="http://schemas.microsoft.com/office/powerpoint/2010/main" val="422124692"/>
+        <p14:creationId xmlns:p14="http://schemas.microsoft.com/office/powerpoint/2010/main" val="1672347235"/>
       </p:ext>
     </p:extLst>
   </p:cSld>
@@ -7692,7 +7822,7 @@
 </p:sldLayout>
 </file>
 
-<file path=ppt/slideLayouts/slideLayout6.xml><?xml version="1.0" encoding="utf-8"?>
+<file path=ppt/slideLayouts/slideLayout7.xml><?xml version="1.0" encoding="utf-8"?>
 <p:sldLayout xmlns:a="http://schemas.openxmlformats.org/drawingml/2006/main" xmlns:r="http://schemas.openxmlformats.org/officeDocument/2006/relationships" xmlns:p="http://schemas.openxmlformats.org/presentationml/2006/main" preserve="1" userDrawn="1">
   <p:cSld name="Answer">
     <p:spTree>
@@ -7810,7 +7940,13 @@
         </p:spPr>
         <p:txBody>
           <a:bodyPr/>
-          <a:lstStyle/>
+          <a:lstStyle>
+            <a:lvl1pPr marL="514350" indent="-514350">
+              <a:buFont typeface="+mj-lt"/>
+              <a:buAutoNum type="arabicParenR"/>
+              <a:defRPr/>
+            </a:lvl1pPr>
+          </a:lstStyle>
           <a:p>
             <a:pPr lvl="0"/>
             <a:r>
@@ -7911,7 +8047,7 @@
     </p:spTree>
     <p:extLst>
       <p:ext uri="{BB962C8B-B14F-4D97-AF65-F5344CB8AC3E}">
-        <p14:creationId xmlns:p14="http://schemas.microsoft.com/office/powerpoint/2010/main" val="3205732288"/>
+        <p14:creationId xmlns:p14="http://schemas.microsoft.com/office/powerpoint/2010/main" val="18065990"/>
       </p:ext>
     </p:extLst>
   </p:cSld>
@@ -7921,8 +8057,8 @@
 </p:sldLayout>
 </file>
 
-<file path=ppt/slideLayouts/slideLayout7.xml><?xml version="1.0" encoding="utf-8"?>
-<p:sldLayout xmlns:a="http://schemas.openxmlformats.org/drawingml/2006/main" xmlns:r="http://schemas.openxmlformats.org/officeDocument/2006/relationships" xmlns:p="http://schemas.openxmlformats.org/presentationml/2006/main" type="obj" preserve="1">
+<file path=ppt/slideLayouts/slideLayout8.xml><?xml version="1.0" encoding="utf-8"?>
+<p:sldLayout xmlns:a="http://schemas.openxmlformats.org/drawingml/2006/main" xmlns:r="http://schemas.openxmlformats.org/officeDocument/2006/relationships" xmlns:p="http://schemas.openxmlformats.org/presentationml/2006/main" preserve="1" userDrawn="1">
   <p:cSld name="Lab">
     <p:bg>
       <p:bgPr>
@@ -8149,61 +8285,60 @@
       </p:sp>
       <p:sp>
         <p:nvSpPr>
-          <p:cNvPr id="9" name="Title 1">
+          <p:cNvPr id="8" name="Text Placeholder 4">
             <a:extLst>
               <a:ext uri="{FF2B5EF4-FFF2-40B4-BE49-F238E27FC236}">
-                <a16:creationId xmlns:a16="http://schemas.microsoft.com/office/drawing/2014/main" id="{C610877B-30C7-48C5-8BDA-CA0DB0C7F805}"/>
+                <a16:creationId xmlns:a16="http://schemas.microsoft.com/office/drawing/2014/main" id="{A8629BB7-A734-4BF1-9C8D-41955C6FB3E9}"/>
               </a:ext>
             </a:extLst>
           </p:cNvPr>
-          <p:cNvSpPr txBox="1">
-            <a:spLocks/>
-          </p:cNvSpPr>
-          <p:nvPr userDrawn="1"/>
+          <p:cNvSpPr>
+            <a:spLocks noGrp="1"/>
+          </p:cNvSpPr>
+          <p:nvPr>
+            <p:ph type="body" sz="quarter" idx="10" hasCustomPrompt="1"/>
+          </p:nvPr>
         </p:nvSpPr>
         <p:spPr>
           <a:xfrm>
-            <a:off x="151194" y="6219372"/>
-            <a:ext cx="8833654" cy="587829"/>
+            <a:off x="261188" y="6307137"/>
+            <a:ext cx="8574837" cy="410903"/>
           </a:xfrm>
-          <a:prstGeom prst="rect">
-            <a:avLst/>
-          </a:prstGeom>
-          <a:solidFill>
-            <a:schemeClr val="bg1"/>
-          </a:solidFill>
         </p:spPr>
         <p:txBody>
-          <a:bodyPr vert="horz" lIns="68580" tIns="34290" rIns="68580" bIns="34290" rtlCol="0" anchor="ctr">
-            <a:noAutofit/>
-          </a:bodyPr>
+          <a:bodyPr/>
           <a:lstStyle>
-            <a:lvl1pPr algn="l" defTabSz="914400" rtl="0" eaLnBrk="1" latinLnBrk="0" hangingPunct="1">
-              <a:lnSpc>
-                <a:spcPct val="90000"/>
-              </a:lnSpc>
-              <a:spcBef>
-                <a:spcPct val="0"/>
-              </a:spcBef>
-              <a:buNone/>
-              <a:defRPr sz="4400" kern="1200">
-                <a:solidFill>
-                  <a:schemeClr val="tx1"/>
-                </a:solidFill>
-                <a:latin typeface="+mj-lt"/>
-                <a:ea typeface="+mj-ea"/>
-                <a:cs typeface="+mj-cs"/>
-              </a:defRPr>
+            <a:lvl1pPr marL="0" indent="0">
+              <a:buFont typeface="Arial" panose="020B0604020202020204" pitchFamily="34" charset="0"/>
+              <a:buNone/>
+              <a:defRPr sz="1400"/>
             </a:lvl1pPr>
+            <a:lvl2pPr marL="574675" indent="-285750">
+              <a:buFont typeface="Arial" panose="020B0604020202020204" pitchFamily="34" charset="0"/>
+              <a:buChar char="•"/>
+              <a:defRPr sz="1600"/>
+            </a:lvl2pPr>
+            <a:lvl3pPr marL="966787" indent="-285750">
+              <a:buFont typeface="Arial" panose="020B0604020202020204" pitchFamily="34" charset="0"/>
+              <a:buChar char="•"/>
+              <a:defRPr sz="1400"/>
+            </a:lvl3pPr>
+            <a:lvl4pPr marL="1260475" indent="-171450">
+              <a:buFont typeface="Arial" panose="020B0604020202020204" pitchFamily="34" charset="0"/>
+              <a:buChar char="•"/>
+              <a:defRPr sz="1200"/>
+            </a:lvl4pPr>
+            <a:lvl5pPr marL="1547813" indent="-171450">
+              <a:buFont typeface="Arial" panose="020B0604020202020204" pitchFamily="34" charset="0"/>
+              <a:buChar char="•"/>
+              <a:defRPr sz="1200"/>
+            </a:lvl5pPr>
           </a:lstStyle>
           <a:p>
-            <a:r>
-              <a:rPr lang="en-US" sz="1500" u="sng" dirty="0">
-                <a:solidFill>
-                  <a:srgbClr val="0070C0"/>
-                </a:solidFill>
-              </a:rPr>
-              <a:t>Click to edit Lab URL</a:t>
+            <a:pPr lvl="0"/>
+            <a:r>
+              <a:rPr lang="en-US" dirty="0"/>
+              <a:t>Edit URL</a:t>
             </a:r>
           </a:p>
         </p:txBody>
@@ -8221,7 +8356,7 @@
 </p:sldLayout>
 </file>
 
-<file path=ppt/slideLayouts/slideLayout8.xml><?xml version="1.0" encoding="utf-8"?>
+<file path=ppt/slideLayouts/slideLayout9.xml><?xml version="1.0" encoding="utf-8"?>
 <p:sldLayout xmlns:a="http://schemas.openxmlformats.org/drawingml/2006/main" xmlns:r="http://schemas.openxmlformats.org/officeDocument/2006/relationships" xmlns:p="http://schemas.openxmlformats.org/presentationml/2006/main" preserve="1" userDrawn="1">
   <p:cSld name="Content &amp; Code">
     <p:spTree>
@@ -8547,161 +8682,6 @@
     <p:extLst>
       <p:ext uri="{BB962C8B-B14F-4D97-AF65-F5344CB8AC3E}">
         <p14:creationId xmlns:p14="http://schemas.microsoft.com/office/powerpoint/2010/main" val="1605699000"/>
-      </p:ext>
-    </p:extLst>
-  </p:cSld>
-  <p:clrMapOvr>
-    <a:masterClrMapping/>
-  </p:clrMapOvr>
-</p:sldLayout>
-</file>
-
-<file path=ppt/slideLayouts/slideLayout9.xml><?xml version="1.0" encoding="utf-8"?>
-<p:sldLayout xmlns:a="http://schemas.openxmlformats.org/drawingml/2006/main" xmlns:r="http://schemas.openxmlformats.org/officeDocument/2006/relationships" xmlns:p="http://schemas.openxmlformats.org/presentationml/2006/main" preserve="1" userDrawn="1">
-  <p:cSld name="Custom Layout">
-    <p:spTree>
-      <p:nvGrpSpPr>
-        <p:cNvPr id="1" name=""/>
-        <p:cNvGrpSpPr/>
-        <p:nvPr/>
-      </p:nvGrpSpPr>
-      <p:grpSpPr>
-        <a:xfrm>
-          <a:off x="0" y="0"/>
-          <a:ext cx="0" cy="0"/>
-          <a:chOff x="0" y="0"/>
-          <a:chExt cx="0" cy="0"/>
-        </a:xfrm>
-      </p:grpSpPr>
-      <p:sp>
-        <p:nvSpPr>
-          <p:cNvPr id="2" name="Title 1">
-            <a:extLst>
-              <a:ext uri="{FF2B5EF4-FFF2-40B4-BE49-F238E27FC236}">
-                <a16:creationId xmlns:a16="http://schemas.microsoft.com/office/drawing/2014/main" id="{F523216E-3091-410D-83D4-F3B694551529}"/>
-              </a:ext>
-            </a:extLst>
-          </p:cNvPr>
-          <p:cNvSpPr>
-            <a:spLocks noGrp="1"/>
-          </p:cNvSpPr>
-          <p:nvPr>
-            <p:ph type="title" hasCustomPrompt="1"/>
-          </p:nvPr>
-        </p:nvSpPr>
-        <p:spPr/>
-        <p:txBody>
-          <a:bodyPr/>
-          <a:lstStyle>
-            <a:lvl1pPr>
-              <a:defRPr/>
-            </a:lvl1pPr>
-          </a:lstStyle>
-          <a:p>
-            <a:r>
-              <a:rPr lang="en-US" dirty="0"/>
-              <a:t>Click to edit Code Title</a:t>
-            </a:r>
-          </a:p>
-        </p:txBody>
-      </p:sp>
-      <p:sp>
-        <p:nvSpPr>
-          <p:cNvPr id="4" name="Text Placeholder 3">
-            <a:extLst>
-              <a:ext uri="{FF2B5EF4-FFF2-40B4-BE49-F238E27FC236}">
-                <a16:creationId xmlns:a16="http://schemas.microsoft.com/office/drawing/2014/main" id="{8AA8E3D7-116C-400A-AC64-F86759F16B62}"/>
-              </a:ext>
-            </a:extLst>
-          </p:cNvPr>
-          <p:cNvSpPr>
-            <a:spLocks noGrp="1"/>
-          </p:cNvSpPr>
-          <p:nvPr>
-            <p:ph type="body" sz="quarter" idx="10" hasCustomPrompt="1"/>
-          </p:nvPr>
-        </p:nvSpPr>
-        <p:spPr>
-          <a:xfrm>
-            <a:off x="93306" y="811763"/>
-            <a:ext cx="8929396" cy="5859625"/>
-          </a:xfrm>
-        </p:spPr>
-        <p:txBody>
-          <a:bodyPr/>
-          <a:lstStyle>
-            <a:lvl1pPr marL="0" indent="0">
-              <a:buNone/>
-              <a:defRPr sz="2400">
-                <a:latin typeface="Consolas" panose="020B0609020204030204" pitchFamily="49" charset="0"/>
-              </a:defRPr>
-            </a:lvl1pPr>
-            <a:lvl2pPr marL="288925" indent="0">
-              <a:buNone/>
-              <a:defRPr sz="2000">
-                <a:latin typeface="Consolas" panose="020B0609020204030204" pitchFamily="49" charset="0"/>
-              </a:defRPr>
-            </a:lvl2pPr>
-            <a:lvl3pPr marL="681037" indent="0">
-              <a:buNone/>
-              <a:defRPr sz="1800">
-                <a:latin typeface="Consolas" panose="020B0609020204030204" pitchFamily="49" charset="0"/>
-              </a:defRPr>
-            </a:lvl3pPr>
-            <a:lvl4pPr marL="1089025" indent="0">
-              <a:buNone/>
-              <a:defRPr sz="1600">
-                <a:latin typeface="Consolas" panose="020B0609020204030204" pitchFamily="49" charset="0"/>
-              </a:defRPr>
-            </a:lvl4pPr>
-            <a:lvl5pPr marL="1376363" indent="0">
-              <a:buNone/>
-              <a:defRPr sz="1600">
-                <a:latin typeface="Consolas" panose="020B0609020204030204" pitchFamily="49" charset="0"/>
-              </a:defRPr>
-            </a:lvl5pPr>
-          </a:lstStyle>
-          <a:p>
-            <a:pPr lvl="0"/>
-            <a:r>
-              <a:rPr lang="en-US" dirty="0"/>
-              <a:t>Edit Code</a:t>
-            </a:r>
-          </a:p>
-          <a:p>
-            <a:pPr lvl="1"/>
-            <a:r>
-              <a:rPr lang="en-US" dirty="0"/>
-              <a:t>Second level</a:t>
-            </a:r>
-          </a:p>
-          <a:p>
-            <a:pPr lvl="2"/>
-            <a:r>
-              <a:rPr lang="en-US" dirty="0"/>
-              <a:t>Third level</a:t>
-            </a:r>
-          </a:p>
-          <a:p>
-            <a:pPr lvl="3"/>
-            <a:r>
-              <a:rPr lang="en-US" dirty="0"/>
-              <a:t>Fourth level</a:t>
-            </a:r>
-          </a:p>
-          <a:p>
-            <a:pPr lvl="4"/>
-            <a:r>
-              <a:rPr lang="en-US" dirty="0"/>
-              <a:t>Fifth level</a:t>
-            </a:r>
-          </a:p>
-        </p:txBody>
-      </p:sp>
-    </p:spTree>
-    <p:extLst>
-      <p:ext uri="{BB962C8B-B14F-4D97-AF65-F5344CB8AC3E}">
-        <p14:creationId xmlns:p14="http://schemas.microsoft.com/office/powerpoint/2010/main" val="1117181669"/>
       </p:ext>
     </p:extLst>
   </p:cSld>
@@ -8987,22 +8967,23 @@
     <p:sldLayoutId id="2147483672" r:id="rId2"/>
     <p:sldLayoutId id="2147483666" r:id="rId3"/>
     <p:sldLayoutId id="2147483701" r:id="rId4"/>
-    <p:sldLayoutId id="2147483662" r:id="rId5"/>
-    <p:sldLayoutId id="2147483699" r:id="rId6"/>
-    <p:sldLayoutId id="2147483702" r:id="rId7"/>
-    <p:sldLayoutId id="2147483700" r:id="rId8"/>
-    <p:sldLayoutId id="2147483705" r:id="rId9"/>
-    <p:sldLayoutId id="2147483703" r:id="rId10"/>
-    <p:sldLayoutId id="2147483706" r:id="rId11"/>
-    <p:sldLayoutId id="2147483663" r:id="rId12"/>
-    <p:sldLayoutId id="2147483664" r:id="rId13"/>
-    <p:sldLayoutId id="2147483665" r:id="rId14"/>
-    <p:sldLayoutId id="2147483667" r:id="rId15"/>
-    <p:sldLayoutId id="2147483668" r:id="rId16"/>
-    <p:sldLayoutId id="2147483669" r:id="rId17"/>
-    <p:sldLayoutId id="2147483670" r:id="rId18"/>
-    <p:sldLayoutId id="2147483671" r:id="rId19"/>
-    <p:sldLayoutId id="2147483673" r:id="rId20"/>
+    <p:sldLayoutId id="2147483707" r:id="rId5"/>
+    <p:sldLayoutId id="2147483708" r:id="rId6"/>
+    <p:sldLayoutId id="2147483709" r:id="rId7"/>
+    <p:sldLayoutId id="2147483702" r:id="rId8"/>
+    <p:sldLayoutId id="2147483700" r:id="rId9"/>
+    <p:sldLayoutId id="2147483705" r:id="rId10"/>
+    <p:sldLayoutId id="2147483703" r:id="rId11"/>
+    <p:sldLayoutId id="2147483706" r:id="rId12"/>
+    <p:sldLayoutId id="2147483663" r:id="rId13"/>
+    <p:sldLayoutId id="2147483664" r:id="rId14"/>
+    <p:sldLayoutId id="2147483665" r:id="rId15"/>
+    <p:sldLayoutId id="2147483667" r:id="rId16"/>
+    <p:sldLayoutId id="2147483668" r:id="rId17"/>
+    <p:sldLayoutId id="2147483669" r:id="rId18"/>
+    <p:sldLayoutId id="2147483670" r:id="rId19"/>
+    <p:sldLayoutId id="2147483671" r:id="rId20"/>
+    <p:sldLayoutId id="2147483673" r:id="rId21"/>
   </p:sldLayoutIdLst>
   <p:txStyles>
     <p:titleStyle>
@@ -9573,7 +9554,7 @@
           <a:lstStyle/>
           <a:p>
             <a:r>
-              <a:rPr lang="en-US" sz="1600" dirty="0">
+              <a:rPr lang="en-US" sz="1600" b="1" dirty="0">
                 <a:solidFill>
                   <a:srgbClr val="FFC000"/>
                 </a:solidFill>
@@ -9635,7 +9616,11 @@
             <p:ph type="body" sz="quarter" idx="10"/>
           </p:nvPr>
         </p:nvSpPr>
-        <p:spPr/>
+        <p:spPr>
+          <a:solidFill>
+            <a:schemeClr val="bg1"/>
+          </a:solidFill>
+        </p:spPr>
         <p:txBody>
           <a:bodyPr/>
           <a:lstStyle/>
@@ -9647,7 +9632,11 @@
               <a:buNone/>
             </a:pPr>
             <a:r>
-              <a:rPr lang="en-US" sz="1400" dirty="0"/>
+              <a:rPr lang="en-US" sz="1400" dirty="0">
+                <a:solidFill>
+                  <a:schemeClr val="tx1"/>
+                </a:solidFill>
+              </a:rPr>
               <a:t>Speaker Information:</a:t>
             </a:r>
           </a:p>
@@ -9658,7 +9647,11 @@
               </a:buClr>
               <a:buNone/>
             </a:pPr>
-            <a:endParaRPr lang="en-US" sz="1400" dirty="0"/>
+            <a:endParaRPr lang="en-US" sz="1400" dirty="0">
+              <a:solidFill>
+                <a:schemeClr val="tx1"/>
+              </a:solidFill>
+            </a:endParaRPr>
           </a:p>
         </p:txBody>
       </p:sp>
@@ -9836,492 +9829,6 @@
   <p:transition>
     <p:fade/>
   </p:transition>
-</p:sld>
-</file>
-
-<file path=ppt/slides/slide11.xml><?xml version="1.0" encoding="utf-8"?>
-<p:sld xmlns:a="http://schemas.openxmlformats.org/drawingml/2006/main" xmlns:r="http://schemas.openxmlformats.org/officeDocument/2006/relationships" xmlns:p="http://schemas.openxmlformats.org/presentationml/2006/main">
-  <p:cSld>
-    <p:spTree>
-      <p:nvGrpSpPr>
-        <p:cNvPr id="1" name=""/>
-        <p:cNvGrpSpPr/>
-        <p:nvPr/>
-      </p:nvGrpSpPr>
-      <p:grpSpPr>
-        <a:xfrm>
-          <a:off x="0" y="0"/>
-          <a:ext cx="0" cy="0"/>
-          <a:chOff x="0" y="0"/>
-          <a:chExt cx="0" cy="0"/>
-        </a:xfrm>
-      </p:grpSpPr>
-      <p:sp>
-        <p:nvSpPr>
-          <p:cNvPr id="5" name="Title 4">
-            <a:extLst>
-              <a:ext uri="{FF2B5EF4-FFF2-40B4-BE49-F238E27FC236}">
-                <a16:creationId xmlns:a16="http://schemas.microsoft.com/office/drawing/2014/main" id="{D9FBBEE8-8E94-4224-BE8B-BB8B89077BF8}"/>
-              </a:ext>
-            </a:extLst>
-          </p:cNvPr>
-          <p:cNvSpPr>
-            <a:spLocks noGrp="1"/>
-          </p:cNvSpPr>
-          <p:nvPr>
-            <p:ph type="title"/>
-          </p:nvPr>
-        </p:nvSpPr>
-        <p:spPr/>
-        <p:txBody>
-          <a:bodyPr/>
-          <a:lstStyle/>
-          <a:p>
-            <a:r>
-              <a:rPr lang="en-US" dirty="0"/>
-              <a:t>Question goes here!!!</a:t>
-            </a:r>
-          </a:p>
-        </p:txBody>
-      </p:sp>
-      <p:sp>
-        <p:nvSpPr>
-          <p:cNvPr id="6" name="Content Placeholder 5">
-            <a:extLst>
-              <a:ext uri="{FF2B5EF4-FFF2-40B4-BE49-F238E27FC236}">
-                <a16:creationId xmlns:a16="http://schemas.microsoft.com/office/drawing/2014/main" id="{CA25C68A-89DC-48F9-B28A-62DAFBE798A7}"/>
-              </a:ext>
-            </a:extLst>
-          </p:cNvPr>
-          <p:cNvSpPr>
-            <a:spLocks noGrp="1"/>
-          </p:cNvSpPr>
-          <p:nvPr>
-            <p:ph idx="1"/>
-          </p:nvPr>
-        </p:nvSpPr>
-        <p:spPr/>
-        <p:txBody>
-          <a:bodyPr/>
-          <a:lstStyle/>
-          <a:p>
-            <a:r>
-              <a:rPr lang="en-US" dirty="0"/>
-              <a:t>1) </a:t>
-            </a:r>
-            <a:r>
-              <a:rPr lang="en-US" dirty="0" err="1"/>
-              <a:t>asldjfsd</a:t>
-            </a:r>
-            <a:endParaRPr lang="en-US" dirty="0"/>
-          </a:p>
-          <a:p>
-            <a:r>
-              <a:rPr lang="en-US" dirty="0"/>
-              <a:t>2) </a:t>
-            </a:r>
-            <a:r>
-              <a:rPr lang="en-US" dirty="0" err="1"/>
-              <a:t>asdlfjasldkfj</a:t>
-            </a:r>
-            <a:endParaRPr lang="en-US" dirty="0"/>
-          </a:p>
-          <a:p>
-            <a:r>
-              <a:rPr lang="en-US" dirty="0"/>
-              <a:t>3) </a:t>
-            </a:r>
-            <a:r>
-              <a:rPr lang="en-US" dirty="0" err="1"/>
-              <a:t>asdlfkjsldkfj</a:t>
-            </a:r>
-            <a:endParaRPr lang="en-US" dirty="0"/>
-          </a:p>
-          <a:p>
-            <a:r>
-              <a:rPr lang="en-US" dirty="0"/>
-              <a:t>4) </a:t>
-            </a:r>
-            <a:r>
-              <a:rPr lang="en-US" dirty="0" err="1"/>
-              <a:t>alsdkjflsadjf</a:t>
-            </a:r>
-            <a:endParaRPr lang="en-US" dirty="0"/>
-          </a:p>
-          <a:p>
-            <a:endParaRPr lang="en-US" dirty="0"/>
-          </a:p>
-        </p:txBody>
-      </p:sp>
-      <p:sp>
-        <p:nvSpPr>
-          <p:cNvPr id="7" name="Text Placeholder 6">
-            <a:extLst>
-              <a:ext uri="{FF2B5EF4-FFF2-40B4-BE49-F238E27FC236}">
-                <a16:creationId xmlns:a16="http://schemas.microsoft.com/office/drawing/2014/main" id="{8603CB8A-AEDB-4C55-9534-269A66679BD0}"/>
-              </a:ext>
-            </a:extLst>
-          </p:cNvPr>
-          <p:cNvSpPr>
-            <a:spLocks noGrp="1"/>
-          </p:cNvSpPr>
-          <p:nvPr>
-            <p:ph type="body" sz="quarter" idx="10"/>
-          </p:nvPr>
-        </p:nvSpPr>
-        <p:spPr/>
-        <p:txBody>
-          <a:bodyPr/>
-          <a:lstStyle/>
-          <a:p>
-            <a:endParaRPr lang="en-US"/>
-          </a:p>
-        </p:txBody>
-      </p:sp>
-    </p:spTree>
-    <p:extLst>
-      <p:ext uri="{BB962C8B-B14F-4D97-AF65-F5344CB8AC3E}">
-        <p14:creationId xmlns:p14="http://schemas.microsoft.com/office/powerpoint/2010/main" val="2188830305"/>
-      </p:ext>
-    </p:extLst>
-  </p:cSld>
-  <p:clrMapOvr>
-    <a:masterClrMapping/>
-  </p:clrMapOvr>
-</p:sld>
-</file>
-
-<file path=ppt/slides/slide12.xml><?xml version="1.0" encoding="utf-8"?>
-<p:sld xmlns:a="http://schemas.openxmlformats.org/drawingml/2006/main" xmlns:r="http://schemas.openxmlformats.org/officeDocument/2006/relationships" xmlns:p="http://schemas.openxmlformats.org/presentationml/2006/main">
-  <p:cSld>
-    <p:spTree>
-      <p:nvGrpSpPr>
-        <p:cNvPr id="1" name=""/>
-        <p:cNvGrpSpPr/>
-        <p:nvPr/>
-      </p:nvGrpSpPr>
-      <p:grpSpPr>
-        <a:xfrm>
-          <a:off x="0" y="0"/>
-          <a:ext cx="0" cy="0"/>
-          <a:chOff x="0" y="0"/>
-          <a:chExt cx="0" cy="0"/>
-        </a:xfrm>
-      </p:grpSpPr>
-      <p:sp>
-        <p:nvSpPr>
-          <p:cNvPr id="6" name="Content Placeholder 5">
-            <a:extLst>
-              <a:ext uri="{FF2B5EF4-FFF2-40B4-BE49-F238E27FC236}">
-                <a16:creationId xmlns:a16="http://schemas.microsoft.com/office/drawing/2014/main" id="{9F5A8E15-77DF-4D7D-ACCE-67972B40DD8F}"/>
-              </a:ext>
-            </a:extLst>
-          </p:cNvPr>
-          <p:cNvSpPr>
-            <a:spLocks noGrp="1"/>
-          </p:cNvSpPr>
-          <p:nvPr>
-            <p:ph type="body" sz="quarter" idx="10"/>
-          </p:nvPr>
-        </p:nvSpPr>
-        <p:spPr/>
-        <p:txBody>
-          <a:bodyPr/>
-          <a:lstStyle/>
-          <a:p>
-            <a:endParaRPr lang="en-US" dirty="0"/>
-          </a:p>
-        </p:txBody>
-      </p:sp>
-      <p:sp>
-        <p:nvSpPr>
-          <p:cNvPr id="9" name="Text Placeholder 8">
-            <a:extLst>
-              <a:ext uri="{FF2B5EF4-FFF2-40B4-BE49-F238E27FC236}">
-                <a16:creationId xmlns:a16="http://schemas.microsoft.com/office/drawing/2014/main" id="{D3227765-CB01-4B57-B429-3D66AA88F47E}"/>
-              </a:ext>
-            </a:extLst>
-          </p:cNvPr>
-          <p:cNvSpPr>
-            <a:spLocks noGrp="1"/>
-          </p:cNvSpPr>
-          <p:nvPr>
-            <p:ph type="body" sz="quarter" idx="11"/>
-          </p:nvPr>
-        </p:nvSpPr>
-        <p:spPr/>
-        <p:txBody>
-          <a:bodyPr/>
-          <a:lstStyle/>
-          <a:p>
-            <a:endParaRPr lang="en-US" dirty="0"/>
-          </a:p>
-        </p:txBody>
-      </p:sp>
-      <p:sp>
-        <p:nvSpPr>
-          <p:cNvPr id="5" name="Title 4">
-            <a:extLst>
-              <a:ext uri="{FF2B5EF4-FFF2-40B4-BE49-F238E27FC236}">
-                <a16:creationId xmlns:a16="http://schemas.microsoft.com/office/drawing/2014/main" id="{5CB1A5B6-4542-4412-9CCE-32AE0F442085}"/>
-              </a:ext>
-            </a:extLst>
-          </p:cNvPr>
-          <p:cNvSpPr>
-            <a:spLocks noGrp="1"/>
-          </p:cNvSpPr>
-          <p:nvPr>
-            <p:ph type="title"/>
-          </p:nvPr>
-        </p:nvSpPr>
-        <p:spPr/>
-        <p:txBody>
-          <a:bodyPr/>
-          <a:lstStyle/>
-          <a:p>
-            <a:endParaRPr lang="en-US" dirty="0"/>
-          </a:p>
-        </p:txBody>
-      </p:sp>
-    </p:spTree>
-    <p:extLst>
-      <p:ext uri="{BB962C8B-B14F-4D97-AF65-F5344CB8AC3E}">
-        <p14:creationId xmlns:p14="http://schemas.microsoft.com/office/powerpoint/2010/main" val="2282330348"/>
-      </p:ext>
-    </p:extLst>
-  </p:cSld>
-  <p:clrMapOvr>
-    <a:masterClrMapping/>
-  </p:clrMapOvr>
-  <mc:AlternateContent xmlns:mc="http://schemas.openxmlformats.org/markup-compatibility/2006" xmlns:p14="http://schemas.microsoft.com/office/powerpoint/2010/main">
-    <mc:Choice Requires="p14">
-      <p:transition spd="med" p14:dur="700">
-        <p:fade/>
-      </p:transition>
-    </mc:Choice>
-    <mc:Fallback xmlns="">
-      <p:transition spd="med">
-        <p:fade/>
-      </p:transition>
-    </mc:Fallback>
-  </mc:AlternateContent>
-</p:sld>
-</file>
-
-<file path=ppt/slides/slide13.xml><?xml version="1.0" encoding="utf-8"?>
-<p:sld xmlns:a="http://schemas.openxmlformats.org/drawingml/2006/main" xmlns:r="http://schemas.openxmlformats.org/officeDocument/2006/relationships" xmlns:p="http://schemas.openxmlformats.org/presentationml/2006/main">
-  <p:cSld>
-    <p:spTree>
-      <p:nvGrpSpPr>
-        <p:cNvPr id="1" name=""/>
-        <p:cNvGrpSpPr/>
-        <p:nvPr/>
-      </p:nvGrpSpPr>
-      <p:grpSpPr>
-        <a:xfrm>
-          <a:off x="0" y="0"/>
-          <a:ext cx="0" cy="0"/>
-          <a:chOff x="0" y="0"/>
-          <a:chExt cx="0" cy="0"/>
-        </a:xfrm>
-      </p:grpSpPr>
-      <p:sp>
-        <p:nvSpPr>
-          <p:cNvPr id="12" name="Title 11">
-            <a:extLst>
-              <a:ext uri="{FF2B5EF4-FFF2-40B4-BE49-F238E27FC236}">
-                <a16:creationId xmlns:a16="http://schemas.microsoft.com/office/drawing/2014/main" id="{1803BD2B-9323-4B27-8D23-AD5D7E50AF5E}"/>
-              </a:ext>
-            </a:extLst>
-          </p:cNvPr>
-          <p:cNvSpPr>
-            <a:spLocks noGrp="1"/>
-          </p:cNvSpPr>
-          <p:nvPr>
-            <p:ph type="title"/>
-          </p:nvPr>
-        </p:nvSpPr>
-        <p:spPr/>
-        <p:txBody>
-          <a:bodyPr/>
-          <a:lstStyle/>
-          <a:p>
-            <a:endParaRPr lang="en-US"/>
-          </a:p>
-        </p:txBody>
-      </p:sp>
-      <p:sp>
-        <p:nvSpPr>
-          <p:cNvPr id="13" name="Text Placeholder 12">
-            <a:extLst>
-              <a:ext uri="{FF2B5EF4-FFF2-40B4-BE49-F238E27FC236}">
-                <a16:creationId xmlns:a16="http://schemas.microsoft.com/office/drawing/2014/main" id="{83B14B48-53E1-46CB-82B4-E00698C98AF3}"/>
-              </a:ext>
-            </a:extLst>
-          </p:cNvPr>
-          <p:cNvSpPr>
-            <a:spLocks noGrp="1"/>
-          </p:cNvSpPr>
-          <p:nvPr>
-            <p:ph type="body" sz="quarter" idx="12"/>
-          </p:nvPr>
-        </p:nvSpPr>
-        <p:spPr/>
-        <p:txBody>
-          <a:bodyPr/>
-          <a:lstStyle/>
-          <a:p>
-            <a:endParaRPr lang="en-US"/>
-          </a:p>
-        </p:txBody>
-      </p:sp>
-      <p:sp>
-        <p:nvSpPr>
-          <p:cNvPr id="14" name="Text Placeholder 13">
-            <a:extLst>
-              <a:ext uri="{FF2B5EF4-FFF2-40B4-BE49-F238E27FC236}">
-                <a16:creationId xmlns:a16="http://schemas.microsoft.com/office/drawing/2014/main" id="{3513F753-FF1C-4A55-ACF7-B8383CB219B8}"/>
-              </a:ext>
-            </a:extLst>
-          </p:cNvPr>
-          <p:cNvSpPr>
-            <a:spLocks noGrp="1"/>
-          </p:cNvSpPr>
-          <p:nvPr>
-            <p:ph type="body" sz="quarter" idx="13"/>
-          </p:nvPr>
-        </p:nvSpPr>
-        <p:spPr/>
-        <p:txBody>
-          <a:bodyPr/>
-          <a:lstStyle/>
-          <a:p>
-            <a:endParaRPr lang="en-US"/>
-          </a:p>
-        </p:txBody>
-      </p:sp>
-      <p:sp>
-        <p:nvSpPr>
-          <p:cNvPr id="15" name="Text Placeholder 14">
-            <a:extLst>
-              <a:ext uri="{FF2B5EF4-FFF2-40B4-BE49-F238E27FC236}">
-                <a16:creationId xmlns:a16="http://schemas.microsoft.com/office/drawing/2014/main" id="{AEAB9855-FB7D-46A0-8D60-ABAA12A86429}"/>
-              </a:ext>
-            </a:extLst>
-          </p:cNvPr>
-          <p:cNvSpPr>
-            <a:spLocks noGrp="1"/>
-          </p:cNvSpPr>
-          <p:nvPr>
-            <p:ph type="body" sz="quarter" idx="14"/>
-          </p:nvPr>
-        </p:nvSpPr>
-        <p:spPr/>
-        <p:txBody>
-          <a:bodyPr/>
-          <a:lstStyle/>
-          <a:p>
-            <a:endParaRPr lang="en-US"/>
-          </a:p>
-        </p:txBody>
-      </p:sp>
-      <p:sp>
-        <p:nvSpPr>
-          <p:cNvPr id="18" name="Text Placeholder 17">
-            <a:extLst>
-              <a:ext uri="{FF2B5EF4-FFF2-40B4-BE49-F238E27FC236}">
-                <a16:creationId xmlns:a16="http://schemas.microsoft.com/office/drawing/2014/main" id="{64A34FCF-153B-4B59-8398-3C72E1657CD1}"/>
-              </a:ext>
-            </a:extLst>
-          </p:cNvPr>
-          <p:cNvSpPr>
-            <a:spLocks noGrp="1"/>
-          </p:cNvSpPr>
-          <p:nvPr>
-            <p:ph type="body" sz="quarter" idx="17"/>
-          </p:nvPr>
-        </p:nvSpPr>
-        <p:spPr/>
-        <p:txBody>
-          <a:bodyPr/>
-          <a:lstStyle/>
-          <a:p>
-            <a:endParaRPr lang="en-US"/>
-          </a:p>
-        </p:txBody>
-      </p:sp>
-      <p:sp>
-        <p:nvSpPr>
-          <p:cNvPr id="17" name="Text Placeholder 16">
-            <a:extLst>
-              <a:ext uri="{FF2B5EF4-FFF2-40B4-BE49-F238E27FC236}">
-                <a16:creationId xmlns:a16="http://schemas.microsoft.com/office/drawing/2014/main" id="{3A9745DE-AD65-43D2-8FAF-6829A4EAE971}"/>
-              </a:ext>
-            </a:extLst>
-          </p:cNvPr>
-          <p:cNvSpPr>
-            <a:spLocks noGrp="1"/>
-          </p:cNvSpPr>
-          <p:nvPr>
-            <p:ph type="body" sz="quarter" idx="16"/>
-          </p:nvPr>
-        </p:nvSpPr>
-        <p:spPr/>
-        <p:txBody>
-          <a:bodyPr/>
-          <a:lstStyle/>
-          <a:p>
-            <a:endParaRPr lang="en-US"/>
-          </a:p>
-        </p:txBody>
-      </p:sp>
-      <p:sp>
-        <p:nvSpPr>
-          <p:cNvPr id="16" name="Text Placeholder 15">
-            <a:extLst>
-              <a:ext uri="{FF2B5EF4-FFF2-40B4-BE49-F238E27FC236}">
-                <a16:creationId xmlns:a16="http://schemas.microsoft.com/office/drawing/2014/main" id="{CB98BB2A-5F00-4D0B-9FFA-A7FC8E5229FD}"/>
-              </a:ext>
-            </a:extLst>
-          </p:cNvPr>
-          <p:cNvSpPr>
-            <a:spLocks noGrp="1"/>
-          </p:cNvSpPr>
-          <p:nvPr>
-            <p:ph type="body" sz="quarter" idx="15"/>
-          </p:nvPr>
-        </p:nvSpPr>
-        <p:spPr/>
-        <p:txBody>
-          <a:bodyPr/>
-          <a:lstStyle/>
-          <a:p>
-            <a:endParaRPr lang="en-US"/>
-          </a:p>
-        </p:txBody>
-      </p:sp>
-    </p:spTree>
-    <p:extLst>
-      <p:ext uri="{BB962C8B-B14F-4D97-AF65-F5344CB8AC3E}">
-        <p14:creationId xmlns:p14="http://schemas.microsoft.com/office/powerpoint/2010/main" val="1997800514"/>
-      </p:ext>
-    </p:extLst>
-  </p:cSld>
-  <p:clrMapOvr>
-    <a:masterClrMapping/>
-  </p:clrMapOvr>
-  <mc:AlternateContent xmlns:mc="http://schemas.openxmlformats.org/markup-compatibility/2006" xmlns:p14="http://schemas.microsoft.com/office/powerpoint/2010/main">
-    <mc:Choice Requires="p14">
-      <p:transition spd="med" p14:dur="700">
-        <p:fade/>
-      </p:transition>
-    </mc:Choice>
-    <mc:Fallback xmlns="">
-      <p:transition spd="med">
-        <p:fade/>
-      </p:transition>
-    </mc:Fallback>
-  </mc:AlternateContent>
 </p:sld>
 </file>
 
